--- a/Estado del ARTE.pptx
+++ b/Estado del ARTE.pptx
@@ -5,7 +5,7 @@
     <p:sldMasterId id="2147483659" r:id="rId1"/>
   </p:sldMasterIdLst>
   <p:notesMasterIdLst>
-    <p:notesMasterId r:id="rId11"/>
+    <p:notesMasterId r:id="rId12"/>
   </p:notesMasterIdLst>
   <p:sldIdLst>
     <p:sldId id="256" r:id="rId2"/>
@@ -17,30 +17,31 @@
     <p:sldId id="288" r:id="rId8"/>
     <p:sldId id="289" r:id="rId9"/>
     <p:sldId id="290" r:id="rId10"/>
+    <p:sldId id="291" r:id="rId11"/>
   </p:sldIdLst>
   <p:sldSz cx="9144000" cy="5143500" type="screen16x9"/>
   <p:notesSz cx="6858000" cy="9144000"/>
   <p:embeddedFontLst>
     <p:embeddedFont>
       <p:font typeface="Georgia" panose="02040502050405020303" pitchFamily="18" charset="0"/>
-      <p:regular r:id="rId12"/>
-      <p:bold r:id="rId13"/>
-      <p:italic r:id="rId14"/>
-      <p:boldItalic r:id="rId15"/>
+      <p:regular r:id="rId13"/>
+      <p:bold r:id="rId14"/>
+      <p:italic r:id="rId15"/>
+      <p:boldItalic r:id="rId16"/>
     </p:embeddedFont>
     <p:embeddedFont>
       <p:font typeface="Nunito" pitchFamily="2" charset="0"/>
-      <p:regular r:id="rId16"/>
-      <p:bold r:id="rId17"/>
-      <p:italic r:id="rId18"/>
-      <p:boldItalic r:id="rId19"/>
+      <p:regular r:id="rId17"/>
+      <p:bold r:id="rId18"/>
+      <p:italic r:id="rId19"/>
+      <p:boldItalic r:id="rId20"/>
     </p:embeddedFont>
     <p:embeddedFont>
       <p:font typeface="Poppins" panose="00000500000000000000" pitchFamily="2" charset="0"/>
-      <p:regular r:id="rId20"/>
-      <p:bold r:id="rId21"/>
-      <p:italic r:id="rId22"/>
-      <p:boldItalic r:id="rId23"/>
+      <p:regular r:id="rId21"/>
+      <p:bold r:id="rId22"/>
+      <p:italic r:id="rId23"/>
+      <p:boldItalic r:id="rId24"/>
     </p:embeddedFont>
   </p:embeddedFontLst>
   <p:defaultTextStyle>
@@ -829,6 +830,72 @@
         </p:txBody>
       </p:sp>
     </p:spTree>
+  </p:cSld>
+  <p:clrMapOvr>
+    <a:masterClrMapping/>
+  </p:clrMapOvr>
+</p:notes>
+</file>
+
+<file path=ppt/notesSlides/notesSlide10.xml><?xml version="1.0" encoding="utf-8"?>
+<p:notes xmlns:a="http://schemas.openxmlformats.org/drawingml/2006/main" xmlns:r="http://schemas.openxmlformats.org/officeDocument/2006/relationships" xmlns:p="http://schemas.openxmlformats.org/presentationml/2006/main">
+  <p:cSld>
+    <p:spTree>
+      <p:nvGrpSpPr>
+        <p:cNvPr id="1" name=""/>
+        <p:cNvGrpSpPr/>
+        <p:nvPr/>
+      </p:nvGrpSpPr>
+      <p:grpSpPr>
+        <a:xfrm>
+          <a:off x="0" y="0"/>
+          <a:ext cx="0" cy="0"/>
+          <a:chOff x="0" y="0"/>
+          <a:chExt cx="0" cy="0"/>
+        </a:xfrm>
+      </p:grpSpPr>
+      <p:sp>
+        <p:nvSpPr>
+          <p:cNvPr id="2" name="Marcador de imagen de diapositiva 1"/>
+          <p:cNvSpPr>
+            <a:spLocks noGrp="1" noRot="1" noChangeAspect="1"/>
+          </p:cNvSpPr>
+          <p:nvPr>
+            <p:ph type="sldImg"/>
+          </p:nvPr>
+        </p:nvSpPr>
+        <p:spPr>
+          <a:xfrm>
+            <a:off x="381000" y="685800"/>
+            <a:ext cx="6096000" cy="3429000"/>
+          </a:xfrm>
+        </p:spPr>
+      </p:sp>
+      <p:sp>
+        <p:nvSpPr>
+          <p:cNvPr id="3" name="Marcador de notas 2"/>
+          <p:cNvSpPr>
+            <a:spLocks noGrp="1"/>
+          </p:cNvSpPr>
+          <p:nvPr>
+            <p:ph type="body" idx="1"/>
+          </p:nvPr>
+        </p:nvSpPr>
+        <p:spPr/>
+        <p:txBody>
+          <a:bodyPr/>
+          <a:lstStyle/>
+          <a:p>
+            <a:endParaRPr lang="es-PE" dirty="0"/>
+          </a:p>
+        </p:txBody>
+      </p:sp>
+    </p:spTree>
+    <p:extLst>
+      <p:ext uri="{BB962C8B-B14F-4D97-AF65-F5344CB8AC3E}">
+        <p14:creationId xmlns:p14="http://schemas.microsoft.com/office/powerpoint/2010/main" val="2982104343"/>
+      </p:ext>
+    </p:extLst>
   </p:cSld>
   <p:clrMapOvr>
     <a:masterClrMapping/>
@@ -7970,7 +8037,7 @@
                   <a:srgbClr val="111A37"/>
                 </a:solidFill>
               </a:rPr>
-              <a:t>Desarrollo de un sistema de detección haciendo uso de Deep Learning y visión por computadora para el Diagnóstico del Cáncer de Piel melanoma</a:t>
+              <a:t>Desarrollo de un sistema de detección haciendo uso de Deep Learning y visión por computadora para el pre-Diagnóstico del Cáncer de Piel de tipo melanoma</a:t>
             </a:r>
             <a:endParaRPr sz="2800" dirty="0">
               <a:solidFill>
@@ -8268,6 +8335,790 @@
         </p:txBody>
       </p:sp>
     </p:spTree>
+  </p:cSld>
+  <p:clrMapOvr>
+    <a:masterClrMapping/>
+  </p:clrMapOvr>
+</p:sld>
+</file>
+
+<file path=ppt/slides/slide10.xml><?xml version="1.0" encoding="utf-8"?>
+<p:sld xmlns:a="http://schemas.openxmlformats.org/drawingml/2006/main" xmlns:r="http://schemas.openxmlformats.org/officeDocument/2006/relationships" xmlns:p="http://schemas.openxmlformats.org/presentationml/2006/main">
+  <p:cSld>
+    <p:spTree>
+      <p:nvGrpSpPr>
+        <p:cNvPr id="1" name=""/>
+        <p:cNvGrpSpPr/>
+        <p:nvPr/>
+      </p:nvGrpSpPr>
+      <p:grpSpPr>
+        <a:xfrm>
+          <a:off x="0" y="0"/>
+          <a:ext cx="0" cy="0"/>
+          <a:chOff x="0" y="0"/>
+          <a:chExt cx="0" cy="0"/>
+        </a:xfrm>
+      </p:grpSpPr>
+      <p:grpSp>
+        <p:nvGrpSpPr>
+          <p:cNvPr id="23" name="Grupo 22">
+            <a:extLst>
+              <a:ext uri="{FF2B5EF4-FFF2-40B4-BE49-F238E27FC236}">
+                <a16:creationId xmlns:a16="http://schemas.microsoft.com/office/drawing/2014/main" id="{2099FE1B-5D70-E031-10D9-11144F4328C4}"/>
+              </a:ext>
+            </a:extLst>
+          </p:cNvPr>
+          <p:cNvGrpSpPr/>
+          <p:nvPr/>
+        </p:nvGrpSpPr>
+        <p:grpSpPr>
+          <a:xfrm>
+            <a:off x="360849" y="378259"/>
+            <a:ext cx="3124800" cy="2556000"/>
+            <a:chOff x="1504800" y="734400"/>
+            <a:chExt cx="3124800" cy="2556000"/>
+          </a:xfrm>
+        </p:grpSpPr>
+        <p:sp>
+          <p:nvSpPr>
+            <p:cNvPr id="22" name="Rectángulo 21">
+              <a:extLst>
+                <a:ext uri="{FF2B5EF4-FFF2-40B4-BE49-F238E27FC236}">
+                  <a16:creationId xmlns:a16="http://schemas.microsoft.com/office/drawing/2014/main" id="{C69851EB-4AE6-5872-E704-24B41B45FF89}"/>
+                </a:ext>
+              </a:extLst>
+            </p:cNvPr>
+            <p:cNvSpPr/>
+            <p:nvPr/>
+          </p:nvSpPr>
+          <p:spPr>
+            <a:xfrm>
+              <a:off x="1504800" y="734400"/>
+              <a:ext cx="3124800" cy="2556000"/>
+            </a:xfrm>
+            <a:prstGeom prst="rect">
+              <a:avLst/>
+            </a:prstGeom>
+            <a:solidFill>
+              <a:schemeClr val="tx1"/>
+            </a:solidFill>
+          </p:spPr>
+          <p:style>
+            <a:lnRef idx="2">
+              <a:schemeClr val="accent1">
+                <a:shade val="15000"/>
+              </a:schemeClr>
+            </a:lnRef>
+            <a:fillRef idx="1">
+              <a:schemeClr val="accent1"/>
+            </a:fillRef>
+            <a:effectRef idx="0">
+              <a:schemeClr val="accent1"/>
+            </a:effectRef>
+            <a:fontRef idx="minor">
+              <a:schemeClr val="lt1"/>
+            </a:fontRef>
+          </p:style>
+          <p:txBody>
+            <a:bodyPr rtlCol="0" anchor="ctr"/>
+            <a:lstStyle/>
+            <a:p>
+              <a:pPr algn="ctr"/>
+              <a:endParaRPr lang="es-PE"/>
+            </a:p>
+          </p:txBody>
+        </p:sp>
+        <p:grpSp>
+          <p:nvGrpSpPr>
+            <p:cNvPr id="21" name="Grupo 20">
+              <a:extLst>
+                <a:ext uri="{FF2B5EF4-FFF2-40B4-BE49-F238E27FC236}">
+                  <a16:creationId xmlns:a16="http://schemas.microsoft.com/office/drawing/2014/main" id="{787D6152-8AB1-E4ED-B88E-7949B620439F}"/>
+                </a:ext>
+              </a:extLst>
+            </p:cNvPr>
+            <p:cNvGrpSpPr/>
+            <p:nvPr/>
+          </p:nvGrpSpPr>
+          <p:grpSpPr>
+            <a:xfrm>
+              <a:off x="1623611" y="835199"/>
+              <a:ext cx="2801326" cy="2397826"/>
+              <a:chOff x="1623611" y="835199"/>
+              <a:chExt cx="2801326" cy="2397826"/>
+            </a:xfrm>
+          </p:grpSpPr>
+          <p:pic>
+            <p:nvPicPr>
+              <p:cNvPr id="5" name="Imagen 4">
+                <a:extLst>
+                  <a:ext uri="{FF2B5EF4-FFF2-40B4-BE49-F238E27FC236}">
+                    <a16:creationId xmlns:a16="http://schemas.microsoft.com/office/drawing/2014/main" id="{BC4D5F4F-4F0E-F93E-4E93-A0D496845EFE}"/>
+                  </a:ext>
+                </a:extLst>
+              </p:cNvPr>
+              <p:cNvPicPr>
+                <a:picLocks noChangeAspect="1"/>
+              </p:cNvPicPr>
+              <p:nvPr/>
+            </p:nvPicPr>
+            <p:blipFill rotWithShape="1">
+              <a:blip r:embed="rId3"/>
+              <a:srcRect r="34089"/>
+              <a:stretch/>
+            </p:blipFill>
+            <p:spPr>
+              <a:xfrm>
+                <a:off x="1627141" y="2097893"/>
+                <a:ext cx="2615676" cy="425666"/>
+              </a:xfrm>
+              <a:prstGeom prst="rect">
+                <a:avLst/>
+              </a:prstGeom>
+            </p:spPr>
+          </p:pic>
+          <p:pic>
+            <p:nvPicPr>
+              <p:cNvPr id="11" name="Imagen 10">
+                <a:extLst>
+                  <a:ext uri="{FF2B5EF4-FFF2-40B4-BE49-F238E27FC236}">
+                    <a16:creationId xmlns:a16="http://schemas.microsoft.com/office/drawing/2014/main" id="{FF859F4E-0AE7-D40C-7F8F-7C6229645D12}"/>
+                  </a:ext>
+                </a:extLst>
+              </p:cNvPr>
+              <p:cNvPicPr>
+                <a:picLocks noChangeAspect="1"/>
+              </p:cNvPicPr>
+              <p:nvPr/>
+            </p:nvPicPr>
+            <p:blipFill rotWithShape="1">
+              <a:blip r:embed="rId3"/>
+              <a:srcRect l="30427" r="36415"/>
+              <a:stretch/>
+            </p:blipFill>
+            <p:spPr>
+              <a:xfrm>
+                <a:off x="2586945" y="2097893"/>
+                <a:ext cx="1315872" cy="425666"/>
+              </a:xfrm>
+              <a:prstGeom prst="rect">
+                <a:avLst/>
+              </a:prstGeom>
+            </p:spPr>
+          </p:pic>
+          <p:pic>
+            <p:nvPicPr>
+              <p:cNvPr id="12" name="Imagen 11">
+                <a:extLst>
+                  <a:ext uri="{FF2B5EF4-FFF2-40B4-BE49-F238E27FC236}">
+                    <a16:creationId xmlns:a16="http://schemas.microsoft.com/office/drawing/2014/main" id="{B7F9BB82-95A5-14B1-5922-99A875142799}"/>
+                  </a:ext>
+                </a:extLst>
+              </p:cNvPr>
+              <p:cNvPicPr>
+                <a:picLocks noChangeAspect="1"/>
+              </p:cNvPicPr>
+              <p:nvPr/>
+            </p:nvPicPr>
+            <p:blipFill rotWithShape="1">
+              <a:blip r:embed="rId3"/>
+              <a:srcRect l="49548" r="30576"/>
+              <a:stretch/>
+            </p:blipFill>
+            <p:spPr>
+              <a:xfrm>
+                <a:off x="3002939" y="2097770"/>
+                <a:ext cx="788774" cy="425666"/>
+              </a:xfrm>
+              <a:prstGeom prst="rect">
+                <a:avLst/>
+              </a:prstGeom>
+            </p:spPr>
+          </p:pic>
+          <p:pic>
+            <p:nvPicPr>
+              <p:cNvPr id="13" name="Imagen 12">
+                <a:extLst>
+                  <a:ext uri="{FF2B5EF4-FFF2-40B4-BE49-F238E27FC236}">
+                    <a16:creationId xmlns:a16="http://schemas.microsoft.com/office/drawing/2014/main" id="{AB260C59-A882-5498-E3E3-5FCC50D1C6A7}"/>
+                  </a:ext>
+                </a:extLst>
+              </p:cNvPr>
+              <p:cNvPicPr>
+                <a:picLocks noChangeAspect="1"/>
+              </p:cNvPicPr>
+              <p:nvPr/>
+            </p:nvPicPr>
+            <p:blipFill rotWithShape="1">
+              <a:blip r:embed="rId3"/>
+              <a:srcRect l="71693" r="11128"/>
+              <a:stretch/>
+            </p:blipFill>
+            <p:spPr>
+              <a:xfrm>
+                <a:off x="3637065" y="2097163"/>
+                <a:ext cx="681746" cy="425666"/>
+              </a:xfrm>
+              <a:prstGeom prst="rect">
+                <a:avLst/>
+              </a:prstGeom>
+            </p:spPr>
+          </p:pic>
+          <p:pic>
+            <p:nvPicPr>
+              <p:cNvPr id="9" name="Imagen 8">
+                <a:extLst>
+                  <a:ext uri="{FF2B5EF4-FFF2-40B4-BE49-F238E27FC236}">
+                    <a16:creationId xmlns:a16="http://schemas.microsoft.com/office/drawing/2014/main" id="{F8E34BBD-3DD8-CE9C-9BB8-B284C5918DC6}"/>
+                  </a:ext>
+                </a:extLst>
+              </p:cNvPr>
+              <p:cNvPicPr>
+                <a:picLocks noChangeAspect="1"/>
+              </p:cNvPicPr>
+              <p:nvPr/>
+            </p:nvPicPr>
+            <p:blipFill rotWithShape="1">
+              <a:blip r:embed="rId4"/>
+              <a:srcRect t="2464" r="34869"/>
+              <a:stretch/>
+            </p:blipFill>
+            <p:spPr>
+              <a:xfrm>
+                <a:off x="1623611" y="2487930"/>
+                <a:ext cx="2355934" cy="439506"/>
+              </a:xfrm>
+              <a:prstGeom prst="rect">
+                <a:avLst/>
+              </a:prstGeom>
+            </p:spPr>
+          </p:pic>
+          <p:grpSp>
+            <p:nvGrpSpPr>
+              <p:cNvPr id="15" name="Grupo 14">
+                <a:extLst>
+                  <a:ext uri="{FF2B5EF4-FFF2-40B4-BE49-F238E27FC236}">
+                    <a16:creationId xmlns:a16="http://schemas.microsoft.com/office/drawing/2014/main" id="{90DF6E26-6AB2-451E-B129-A59AD5E72AA5}"/>
+                  </a:ext>
+                </a:extLst>
+              </p:cNvPr>
+              <p:cNvGrpSpPr/>
+              <p:nvPr/>
+            </p:nvGrpSpPr>
+            <p:grpSpPr>
+              <a:xfrm>
+                <a:off x="1685522" y="835199"/>
+                <a:ext cx="2739415" cy="1273794"/>
+                <a:chOff x="1685522" y="835199"/>
+                <a:chExt cx="2739415" cy="1273794"/>
+              </a:xfrm>
+            </p:grpSpPr>
+            <p:pic>
+              <p:nvPicPr>
+                <p:cNvPr id="3" name="Imagen 2" descr="Tabla&#10;&#10;Descripción generada automáticamente">
+                  <a:extLst>
+                    <a:ext uri="{FF2B5EF4-FFF2-40B4-BE49-F238E27FC236}">
+                      <a16:creationId xmlns:a16="http://schemas.microsoft.com/office/drawing/2014/main" id="{9A2BFD4B-F854-1F1E-B97E-D57B18A7765A}"/>
+                    </a:ext>
+                  </a:extLst>
+                </p:cNvPr>
+                <p:cNvPicPr>
+                  <a:picLocks noChangeAspect="1"/>
+                </p:cNvPicPr>
+                <p:nvPr/>
+              </p:nvPicPr>
+              <p:blipFill rotWithShape="1">
+                <a:blip r:embed="rId5"/>
+                <a:srcRect l="7258" t="16218" r="61647" b="4479"/>
+                <a:stretch/>
+              </p:blipFill>
+              <p:spPr>
+                <a:xfrm>
+                  <a:off x="1685522" y="835199"/>
+                  <a:ext cx="1444216" cy="1273793"/>
+                </a:xfrm>
+                <a:prstGeom prst="rect">
+                  <a:avLst/>
+                </a:prstGeom>
+              </p:spPr>
+            </p:pic>
+            <p:pic>
+              <p:nvPicPr>
+                <p:cNvPr id="10" name="Imagen 9" descr="Tabla&#10;&#10;Descripción generada automáticamente">
+                  <a:extLst>
+                    <a:ext uri="{FF2B5EF4-FFF2-40B4-BE49-F238E27FC236}">
+                      <a16:creationId xmlns:a16="http://schemas.microsoft.com/office/drawing/2014/main" id="{D88620D8-9BD0-7747-BA68-6008E57CD4D8}"/>
+                    </a:ext>
+                  </a:extLst>
+                </p:cNvPr>
+                <p:cNvPicPr>
+                  <a:picLocks noChangeAspect="1"/>
+                </p:cNvPicPr>
+                <p:nvPr/>
+              </p:nvPicPr>
+              <p:blipFill rotWithShape="1">
+                <a:blip r:embed="rId5"/>
+                <a:srcRect l="60033" t="16218" r="11635" b="4479"/>
+                <a:stretch/>
+              </p:blipFill>
+              <p:spPr>
+                <a:xfrm>
+                  <a:off x="3109066" y="835199"/>
+                  <a:ext cx="1315871" cy="1273794"/>
+                </a:xfrm>
+                <a:prstGeom prst="rect">
+                  <a:avLst/>
+                </a:prstGeom>
+              </p:spPr>
+            </p:pic>
+          </p:grpSp>
+          <p:pic>
+            <p:nvPicPr>
+              <p:cNvPr id="14" name="Imagen 13">
+                <a:extLst>
+                  <a:ext uri="{FF2B5EF4-FFF2-40B4-BE49-F238E27FC236}">
+                    <a16:creationId xmlns:a16="http://schemas.microsoft.com/office/drawing/2014/main" id="{4CCF4954-7DEF-6CD8-0128-F449703A9127}"/>
+                  </a:ext>
+                </a:extLst>
+              </p:cNvPr>
+              <p:cNvPicPr>
+                <a:picLocks noChangeAspect="1"/>
+              </p:cNvPicPr>
+              <p:nvPr/>
+            </p:nvPicPr>
+            <p:blipFill rotWithShape="1">
+              <a:blip r:embed="rId4"/>
+              <a:srcRect l="29603" t="2464" r="20930"/>
+              <a:stretch/>
+            </p:blipFill>
+            <p:spPr>
+              <a:xfrm>
+                <a:off x="2548394" y="2487780"/>
+                <a:ext cx="1789292" cy="439506"/>
+              </a:xfrm>
+              <a:prstGeom prst="rect">
+                <a:avLst/>
+              </a:prstGeom>
+            </p:spPr>
+          </p:pic>
+          <p:pic>
+            <p:nvPicPr>
+              <p:cNvPr id="16" name="Imagen 15">
+                <a:extLst>
+                  <a:ext uri="{FF2B5EF4-FFF2-40B4-BE49-F238E27FC236}">
+                    <a16:creationId xmlns:a16="http://schemas.microsoft.com/office/drawing/2014/main" id="{17F7B2B4-3C2F-2807-3A42-E24761B21F1D}"/>
+                  </a:ext>
+                </a:extLst>
+              </p:cNvPr>
+              <p:cNvPicPr>
+                <a:picLocks noChangeAspect="1"/>
+              </p:cNvPicPr>
+              <p:nvPr/>
+            </p:nvPicPr>
+            <p:blipFill rotWithShape="1">
+              <a:blip r:embed="rId4"/>
+              <a:srcRect l="51370" t="2464" r="32465"/>
+              <a:stretch/>
+            </p:blipFill>
+            <p:spPr>
+              <a:xfrm>
+                <a:off x="3109066" y="2487780"/>
+                <a:ext cx="584729" cy="439506"/>
+              </a:xfrm>
+              <a:prstGeom prst="rect">
+                <a:avLst/>
+              </a:prstGeom>
+            </p:spPr>
+          </p:pic>
+          <p:pic>
+            <p:nvPicPr>
+              <p:cNvPr id="17" name="Imagen 16">
+                <a:extLst>
+                  <a:ext uri="{FF2B5EF4-FFF2-40B4-BE49-F238E27FC236}">
+                    <a16:creationId xmlns:a16="http://schemas.microsoft.com/office/drawing/2014/main" id="{21B8F2CB-3604-BE72-5F8D-1F38F4D5D4E7}"/>
+                  </a:ext>
+                </a:extLst>
+              </p:cNvPr>
+              <p:cNvPicPr>
+                <a:picLocks noChangeAspect="1"/>
+              </p:cNvPicPr>
+              <p:nvPr/>
+            </p:nvPicPr>
+            <p:blipFill rotWithShape="1">
+              <a:blip r:embed="rId4"/>
+              <a:srcRect l="74380" t="2464" r="7645"/>
+              <a:stretch/>
+            </p:blipFill>
+            <p:spPr>
+              <a:xfrm>
+                <a:off x="3687464" y="2487780"/>
+                <a:ext cx="650221" cy="439506"/>
+              </a:xfrm>
+              <a:prstGeom prst="rect">
+                <a:avLst/>
+              </a:prstGeom>
+            </p:spPr>
+          </p:pic>
+          <p:pic>
+            <p:nvPicPr>
+              <p:cNvPr id="7" name="Imagen 6">
+                <a:extLst>
+                  <a:ext uri="{FF2B5EF4-FFF2-40B4-BE49-F238E27FC236}">
+                    <a16:creationId xmlns:a16="http://schemas.microsoft.com/office/drawing/2014/main" id="{496938F8-8964-4794-1164-8A76A13DCE53}"/>
+                  </a:ext>
+                </a:extLst>
+              </p:cNvPr>
+              <p:cNvPicPr>
+                <a:picLocks noChangeAspect="1"/>
+              </p:cNvPicPr>
+              <p:nvPr/>
+            </p:nvPicPr>
+            <p:blipFill rotWithShape="1">
+              <a:blip r:embed="rId6"/>
+              <a:srcRect r="26125"/>
+              <a:stretch/>
+            </p:blipFill>
+            <p:spPr>
+              <a:xfrm>
+                <a:off x="1685522" y="2836436"/>
+                <a:ext cx="2652163" cy="396144"/>
+              </a:xfrm>
+              <a:prstGeom prst="rect">
+                <a:avLst/>
+              </a:prstGeom>
+            </p:spPr>
+          </p:pic>
+          <p:pic>
+            <p:nvPicPr>
+              <p:cNvPr id="18" name="Imagen 17">
+                <a:extLst>
+                  <a:ext uri="{FF2B5EF4-FFF2-40B4-BE49-F238E27FC236}">
+                    <a16:creationId xmlns:a16="http://schemas.microsoft.com/office/drawing/2014/main" id="{65612C34-FACC-3236-34DD-C9A1793CBC34}"/>
+                  </a:ext>
+                </a:extLst>
+              </p:cNvPr>
+              <p:cNvPicPr>
+                <a:picLocks noChangeAspect="1"/>
+              </p:cNvPicPr>
+              <p:nvPr/>
+            </p:nvPicPr>
+            <p:blipFill rotWithShape="1">
+              <a:blip r:embed="rId6"/>
+              <a:srcRect l="28466" r="22499"/>
+              <a:stretch/>
+            </p:blipFill>
+            <p:spPr>
+              <a:xfrm>
+                <a:off x="2527758" y="2835706"/>
+                <a:ext cx="1760397" cy="396144"/>
+              </a:xfrm>
+              <a:prstGeom prst="rect">
+                <a:avLst/>
+              </a:prstGeom>
+            </p:spPr>
+          </p:pic>
+          <p:pic>
+            <p:nvPicPr>
+              <p:cNvPr id="19" name="Imagen 18">
+                <a:extLst>
+                  <a:ext uri="{FF2B5EF4-FFF2-40B4-BE49-F238E27FC236}">
+                    <a16:creationId xmlns:a16="http://schemas.microsoft.com/office/drawing/2014/main" id="{55268400-EDFB-6F99-2CE3-153415BA00D4}"/>
+                  </a:ext>
+                </a:extLst>
+              </p:cNvPr>
+              <p:cNvPicPr>
+                <a:picLocks noChangeAspect="1"/>
+              </p:cNvPicPr>
+              <p:nvPr/>
+            </p:nvPicPr>
+            <p:blipFill rotWithShape="1">
+              <a:blip r:embed="rId6"/>
+              <a:srcRect l="48370" r="13876"/>
+              <a:stretch/>
+            </p:blipFill>
+            <p:spPr>
+              <a:xfrm>
+                <a:off x="3002939" y="2836881"/>
+                <a:ext cx="1355383" cy="396144"/>
+              </a:xfrm>
+              <a:prstGeom prst="rect">
+                <a:avLst/>
+              </a:prstGeom>
+            </p:spPr>
+          </p:pic>
+          <p:pic>
+            <p:nvPicPr>
+              <p:cNvPr id="20" name="Imagen 19">
+                <a:extLst>
+                  <a:ext uri="{FF2B5EF4-FFF2-40B4-BE49-F238E27FC236}">
+                    <a16:creationId xmlns:a16="http://schemas.microsoft.com/office/drawing/2014/main" id="{01ED0C38-1A62-BAA8-F250-D4D7A69C3422}"/>
+                  </a:ext>
+                </a:extLst>
+              </p:cNvPr>
+              <p:cNvPicPr>
+                <a:picLocks noChangeAspect="1"/>
+              </p:cNvPicPr>
+              <p:nvPr/>
+            </p:nvPicPr>
+            <p:blipFill rotWithShape="1">
+              <a:blip r:embed="rId6"/>
+              <a:srcRect l="74271" r="8623"/>
+              <a:stretch/>
+            </p:blipFill>
+            <p:spPr>
+              <a:xfrm>
+                <a:off x="3744194" y="2836366"/>
+                <a:ext cx="614127" cy="396144"/>
+              </a:xfrm>
+              <a:prstGeom prst="rect">
+                <a:avLst/>
+              </a:prstGeom>
+            </p:spPr>
+          </p:pic>
+        </p:grpSp>
+      </p:grpSp>
+      <p:grpSp>
+        <p:nvGrpSpPr>
+          <p:cNvPr id="31" name="Grupo 30">
+            <a:extLst>
+              <a:ext uri="{FF2B5EF4-FFF2-40B4-BE49-F238E27FC236}">
+                <a16:creationId xmlns:a16="http://schemas.microsoft.com/office/drawing/2014/main" id="{49305634-8527-B4D6-18AB-CCE4F36529D0}"/>
+              </a:ext>
+            </a:extLst>
+          </p:cNvPr>
+          <p:cNvGrpSpPr/>
+          <p:nvPr/>
+        </p:nvGrpSpPr>
+        <p:grpSpPr>
+          <a:xfrm>
+            <a:off x="3536048" y="2156067"/>
+            <a:ext cx="4849823" cy="2337642"/>
+            <a:chOff x="3536048" y="2156067"/>
+            <a:chExt cx="4849823" cy="2337642"/>
+          </a:xfrm>
+        </p:grpSpPr>
+        <p:sp>
+          <p:nvSpPr>
+            <p:cNvPr id="30" name="Rectángulo 29">
+              <a:extLst>
+                <a:ext uri="{FF2B5EF4-FFF2-40B4-BE49-F238E27FC236}">
+                  <a16:creationId xmlns:a16="http://schemas.microsoft.com/office/drawing/2014/main" id="{C71FF17B-6525-432B-B73C-78F4623C8B6E}"/>
+                </a:ext>
+              </a:extLst>
+            </p:cNvPr>
+            <p:cNvSpPr/>
+            <p:nvPr/>
+          </p:nvSpPr>
+          <p:spPr>
+            <a:xfrm>
+              <a:off x="3536048" y="2156067"/>
+              <a:ext cx="4849823" cy="2337642"/>
+            </a:xfrm>
+            <a:prstGeom prst="rect">
+              <a:avLst/>
+            </a:prstGeom>
+            <a:solidFill>
+              <a:schemeClr val="tx1"/>
+            </a:solidFill>
+          </p:spPr>
+          <p:style>
+            <a:lnRef idx="2">
+              <a:schemeClr val="accent1">
+                <a:shade val="15000"/>
+              </a:schemeClr>
+            </a:lnRef>
+            <a:fillRef idx="1">
+              <a:schemeClr val="accent1"/>
+            </a:fillRef>
+            <a:effectRef idx="0">
+              <a:schemeClr val="accent1"/>
+            </a:effectRef>
+            <a:fontRef idx="minor">
+              <a:schemeClr val="lt1"/>
+            </a:fontRef>
+          </p:style>
+          <p:txBody>
+            <a:bodyPr rtlCol="0" anchor="ctr"/>
+            <a:lstStyle/>
+            <a:p>
+              <a:pPr algn="ctr"/>
+              <a:endParaRPr lang="es-PE"/>
+            </a:p>
+          </p:txBody>
+        </p:sp>
+        <p:pic>
+          <p:nvPicPr>
+            <p:cNvPr id="24" name="Imagen 23" descr="Gráfico, Gráfico de barras&#10;&#10;Descripción generada automáticamente">
+              <a:extLst>
+                <a:ext uri="{FF2B5EF4-FFF2-40B4-BE49-F238E27FC236}">
+                  <a16:creationId xmlns:a16="http://schemas.microsoft.com/office/drawing/2014/main" id="{095019B3-9BCD-201D-E4CD-50C072631C43}"/>
+                </a:ext>
+              </a:extLst>
+            </p:cNvPr>
+            <p:cNvPicPr>
+              <a:picLocks noChangeAspect="1"/>
+            </p:cNvPicPr>
+            <p:nvPr/>
+          </p:nvPicPr>
+          <p:blipFill rotWithShape="1">
+            <a:blip r:embed="rId7"/>
+            <a:srcRect t="13631" b="13532"/>
+            <a:stretch/>
+          </p:blipFill>
+          <p:spPr>
+            <a:xfrm>
+              <a:off x="3610040" y="2248204"/>
+              <a:ext cx="3484497" cy="2245505"/>
+            </a:xfrm>
+            <a:prstGeom prst="rect">
+              <a:avLst/>
+            </a:prstGeom>
+          </p:spPr>
+        </p:pic>
+        <p:grpSp>
+          <p:nvGrpSpPr>
+            <p:cNvPr id="25" name="Grupo 24">
+              <a:extLst>
+                <a:ext uri="{FF2B5EF4-FFF2-40B4-BE49-F238E27FC236}">
+                  <a16:creationId xmlns:a16="http://schemas.microsoft.com/office/drawing/2014/main" id="{930AE043-3863-5226-154E-DB63F1C84EC0}"/>
+                </a:ext>
+              </a:extLst>
+            </p:cNvPr>
+            <p:cNvGrpSpPr/>
+            <p:nvPr/>
+          </p:nvGrpSpPr>
+          <p:grpSpPr>
+            <a:xfrm>
+              <a:off x="7060926" y="2829742"/>
+              <a:ext cx="1168288" cy="916243"/>
+              <a:chOff x="7290449" y="1935760"/>
+              <a:chExt cx="1168288" cy="916243"/>
+            </a:xfrm>
+          </p:grpSpPr>
+          <p:pic>
+            <p:nvPicPr>
+              <p:cNvPr id="26" name="Imagen 25" descr="Gráfico, Gráfico de barras&#10;&#10;Descripción generada automáticamente">
+                <a:extLst>
+                  <a:ext uri="{FF2B5EF4-FFF2-40B4-BE49-F238E27FC236}">
+                    <a16:creationId xmlns:a16="http://schemas.microsoft.com/office/drawing/2014/main" id="{2E8E2F78-BAEF-4218-EEC9-EDBEB271FFE0}"/>
+                  </a:ext>
+                </a:extLst>
+              </p:cNvPr>
+              <p:cNvPicPr>
+                <a:picLocks noChangeAspect="1"/>
+              </p:cNvPicPr>
+              <p:nvPr/>
+            </p:nvPicPr>
+            <p:blipFill rotWithShape="1">
+              <a:blip r:embed="rId7"/>
+              <a:srcRect l="48874" t="90472" r="25563" b="1142"/>
+              <a:stretch/>
+            </p:blipFill>
+            <p:spPr>
+              <a:xfrm>
+                <a:off x="7428286" y="2385167"/>
+                <a:ext cx="890751" cy="258530"/>
+              </a:xfrm>
+              <a:prstGeom prst="rect">
+                <a:avLst/>
+              </a:prstGeom>
+            </p:spPr>
+          </p:pic>
+          <p:pic>
+            <p:nvPicPr>
+              <p:cNvPr id="27" name="Imagen 26" descr="Gráfico, Gráfico de barras&#10;&#10;Descripción generada automáticamente">
+                <a:extLst>
+                  <a:ext uri="{FF2B5EF4-FFF2-40B4-BE49-F238E27FC236}">
+                    <a16:creationId xmlns:a16="http://schemas.microsoft.com/office/drawing/2014/main" id="{4983CE2F-CE0D-C8EA-7641-6F122D9D0FC5}"/>
+                  </a:ext>
+                </a:extLst>
+              </p:cNvPr>
+              <p:cNvPicPr>
+                <a:picLocks noChangeAspect="1"/>
+              </p:cNvPicPr>
+              <p:nvPr/>
+            </p:nvPicPr>
+            <p:blipFill rotWithShape="1">
+              <a:blip r:embed="rId7"/>
+              <a:srcRect l="15952" t="91469" r="52586" b="1751"/>
+              <a:stretch/>
+            </p:blipFill>
+            <p:spPr>
+              <a:xfrm>
+                <a:off x="7362438" y="1935760"/>
+                <a:ext cx="1096299" cy="209035"/>
+              </a:xfrm>
+              <a:prstGeom prst="rect">
+                <a:avLst/>
+              </a:prstGeom>
+            </p:spPr>
+          </p:pic>
+          <p:pic>
+            <p:nvPicPr>
+              <p:cNvPr id="28" name="Imagen 27" descr="Gráfico, Gráfico de barras&#10;&#10;Descripción generada automáticamente">
+                <a:extLst>
+                  <a:ext uri="{FF2B5EF4-FFF2-40B4-BE49-F238E27FC236}">
+                    <a16:creationId xmlns:a16="http://schemas.microsoft.com/office/drawing/2014/main" id="{C7FBA654-6BF8-D88F-C915-3BBA01D60480}"/>
+                  </a:ext>
+                </a:extLst>
+              </p:cNvPr>
+              <p:cNvPicPr>
+                <a:picLocks noChangeAspect="1"/>
+              </p:cNvPicPr>
+              <p:nvPr/>
+            </p:nvPicPr>
+            <p:blipFill rotWithShape="1">
+              <a:blip r:embed="rId7"/>
+              <a:srcRect t="89819" r="82808" b="1142"/>
+              <a:stretch/>
+            </p:blipFill>
+            <p:spPr>
+              <a:xfrm>
+                <a:off x="7290449" y="2124106"/>
+                <a:ext cx="599063" cy="278657"/>
+              </a:xfrm>
+              <a:prstGeom prst="rect">
+                <a:avLst/>
+              </a:prstGeom>
+            </p:spPr>
+          </p:pic>
+          <p:pic>
+            <p:nvPicPr>
+              <p:cNvPr id="29" name="Imagen 28" descr="Gráfico, Gráfico de barras&#10;&#10;Descripción generada automáticamente">
+                <a:extLst>
+                  <a:ext uri="{FF2B5EF4-FFF2-40B4-BE49-F238E27FC236}">
+                    <a16:creationId xmlns:a16="http://schemas.microsoft.com/office/drawing/2014/main" id="{DEE7E632-90F2-4BC0-CC23-DDCE2B091C7C}"/>
+                  </a:ext>
+                </a:extLst>
+              </p:cNvPr>
+              <p:cNvPicPr>
+                <a:picLocks noChangeAspect="1"/>
+              </p:cNvPicPr>
+              <p:nvPr/>
+            </p:nvPicPr>
+            <p:blipFill rotWithShape="1">
+              <a:blip r:embed="rId7"/>
+              <a:srcRect l="76208" t="91469" b="1751"/>
+              <a:stretch/>
+            </p:blipFill>
+            <p:spPr>
+              <a:xfrm>
+                <a:off x="7448451" y="2642968"/>
+                <a:ext cx="829019" cy="209035"/>
+              </a:xfrm>
+              <a:prstGeom prst="rect">
+                <a:avLst/>
+              </a:prstGeom>
+            </p:spPr>
+          </p:pic>
+        </p:grpSp>
+      </p:grpSp>
+    </p:spTree>
+    <p:extLst>
+      <p:ext uri="{BB962C8B-B14F-4D97-AF65-F5344CB8AC3E}">
+        <p14:creationId xmlns:p14="http://schemas.microsoft.com/office/powerpoint/2010/main" val="2505455314"/>
+      </p:ext>
+    </p:extLst>
   </p:cSld>
   <p:clrMapOvr>
     <a:masterClrMapping/>
@@ -17094,7 +17945,7 @@
         </p:nvSpPr>
         <p:spPr>
           <a:xfrm>
-            <a:off x="545732" y="3229336"/>
+            <a:off x="545732" y="3229337"/>
             <a:ext cx="8355199" cy="1647857"/>
           </a:xfrm>
           <a:prstGeom prst="rect">
